--- a/AdditiveManufacturing/AddManHandout.pptx
+++ b/AdditiveManufacturing/AddManHandout.pptx
@@ -255,7 +255,7 @@
             <a:fld id="{451DEABC-D766-4322-8E78-B830FAE35C72}" type="datetime4">
               <a:rPr lang="en-US" smtClean="0"/>
               <a:pPr/>
-              <a:t>March 20, 2017</a:t>
+              <a:t>September 7, 2017</a:t>
             </a:fld>
             <a:endParaRPr lang="en-US" dirty="0"/>
           </a:p>
@@ -422,7 +422,7 @@
             <a:fld id="{F3131F9E-604E-4343-9F29-EF72E8231CAD}" type="datetime4">
               <a:rPr lang="en-US" smtClean="0"/>
               <a:pPr/>
-              <a:t>March 20, 2017</a:t>
+              <a:t>September 7, 2017</a:t>
             </a:fld>
             <a:endParaRPr lang="en-US"/>
           </a:p>
@@ -599,7 +599,7 @@
             <a:fld id="{34A8E1CE-37F8-4102-8DF9-852A0A51F293}" type="datetime4">
               <a:rPr lang="en-US" smtClean="0"/>
               <a:pPr/>
-              <a:t>March 20, 2017</a:t>
+              <a:t>September 7, 2017</a:t>
             </a:fld>
             <a:endParaRPr lang="en-US"/>
           </a:p>
@@ -766,7 +766,7 @@
             <a:fld id="{93333F43-3E86-47E4-BFBB-2476D384E1C6}" type="datetime4">
               <a:rPr lang="en-US" smtClean="0"/>
               <a:pPr/>
-              <a:t>March 20, 2017</a:t>
+              <a:t>September 7, 2017</a:t>
             </a:fld>
             <a:endParaRPr lang="en-US"/>
           </a:p>
@@ -1009,7 +1009,7 @@
             <a:fld id="{751663BA-01FC-4367-B6F3-ABB2645D55F1}" type="datetime4">
               <a:rPr lang="en-US" smtClean="0"/>
               <a:pPr/>
-              <a:t>March 20, 2017</a:t>
+              <a:t>September 7, 2017</a:t>
             </a:fld>
             <a:endParaRPr lang="en-US" dirty="0"/>
           </a:p>
@@ -1238,7 +1238,7 @@
             <a:fld id="{79B19C71-EC74-44AF-B27E-FC7DC3C3A61D}" type="datetime4">
               <a:rPr lang="en-US" smtClean="0"/>
               <a:pPr/>
-              <a:t>March 20, 2017</a:t>
+              <a:t>September 7, 2017</a:t>
             </a:fld>
             <a:endParaRPr lang="en-US"/>
           </a:p>
@@ -1602,7 +1602,7 @@
             <a:fld id="{6A5CDA29-3CBE-48EA-92AE-A996835462BA}" type="datetime4">
               <a:rPr lang="en-US" smtClean="0"/>
               <a:pPr/>
-              <a:t>March 20, 2017</a:t>
+              <a:t>September 7, 2017</a:t>
             </a:fld>
             <a:endParaRPr lang="en-US"/>
           </a:p>
@@ -1717,7 +1717,7 @@
             <a:fld id="{E29EC054-3869-4501-B163-1BBFDE8DCE04}" type="datetime4">
               <a:rPr lang="en-US" smtClean="0"/>
               <a:pPr/>
-              <a:t>March 20, 2017</a:t>
+              <a:t>September 7, 2017</a:t>
             </a:fld>
             <a:endParaRPr lang="en-US"/>
           </a:p>
@@ -1809,7 +1809,7 @@
             <a:fld id="{0A63D831-56C1-49CF-8EF7-8B9A98402BCD}" type="datetime4">
               <a:rPr lang="en-US" smtClean="0"/>
               <a:pPr/>
-              <a:t>March 20, 2017</a:t>
+              <a:t>September 7, 2017</a:t>
             </a:fld>
             <a:endParaRPr lang="en-US"/>
           </a:p>
@@ -2083,7 +2083,7 @@
             <a:fld id="{6EAD5615-7F4F-4584-84D5-CC95918C321F}" type="datetime4">
               <a:rPr lang="en-US" smtClean="0"/>
               <a:pPr/>
-              <a:t>March 20, 2017</a:t>
+              <a:t>September 7, 2017</a:t>
             </a:fld>
             <a:endParaRPr lang="en-US"/>
           </a:p>
@@ -2333,7 +2333,7 @@
             <a:fld id="{76EEA923-9BEE-48CE-9F28-5B525F399BAD}" type="datetime4">
               <a:rPr lang="en-US" smtClean="0"/>
               <a:pPr/>
-              <a:t>March 20, 2017</a:t>
+              <a:t>September 7, 2017</a:t>
             </a:fld>
             <a:endParaRPr lang="en-US"/>
           </a:p>
@@ -2543,7 +2543,7 @@
             <a:fld id="{17D0EFEE-2756-4A20-BF2A-63F0A94F99AC}" type="datetime4">
               <a:rPr lang="en-US" smtClean="0"/>
               <a:pPr/>
-              <a:t>March 20, 2017</a:t>
+              <a:t>September 7, 2017</a:t>
             </a:fld>
             <a:endParaRPr lang="en-US" dirty="0"/>
           </a:p>
@@ -3089,7 +3089,7 @@
         <p:spPr>
           <a:xfrm>
             <a:off x="457200" y="890394"/>
-            <a:ext cx="3994506" cy="2308324"/>
+            <a:ext cx="3994506" cy="2092881"/>
           </a:xfrm>
           <a:prstGeom prst="rect">
             <a:avLst/>
@@ -3109,7 +3109,7 @@
             </a:r>
             <a:r>
               <a:rPr lang="en-US" b="1" dirty="0" smtClean="0"/>
-              <a:t>AM</a:t>
+              <a:t>COIs</a:t>
             </a:r>
             <a:endParaRPr lang="en-US" sz="1400" b="1" dirty="0" smtClean="0"/>
           </a:p>
@@ -3124,25 +3124,15 @@
             </a:r>
             <a:r>
               <a:rPr lang="en-US" sz="1400" dirty="0" smtClean="0"/>
-              <a:t> decentralized, self-regulating “communities of innovation” </a:t>
+              <a:t> decentralized, self-regulating “communities of innovation” (</a:t>
             </a:r>
             <a:r>
               <a:rPr lang="en-US" sz="1400" dirty="0" smtClean="0"/>
-              <a:t>(COIs) in </a:t>
+              <a:t>COIs) combine high </a:t>
             </a:r>
             <a:r>
               <a:rPr lang="en-US" sz="1400" dirty="0" smtClean="0"/>
-              <a:t>AM</a:t>
-            </a:r>
-          </a:p>
-          <a:p>
-            <a:pPr marL="742950" lvl="1" indent="-285750">
-              <a:buFont typeface="Arial"/>
-              <a:buChar char="•"/>
-            </a:pPr>
-            <a:r>
-              <a:rPr lang="en-US" sz="1400" dirty="0" smtClean="0"/>
-              <a:t>Radical leveling technology (Snow, 2015) combines high threat potential with low regulation potential</a:t>
+              <a:t>threat potential with low regulation potential</a:t>
             </a:r>
           </a:p>
           <a:p>
@@ -3156,25 +3146,8 @@
             </a:r>
             <a:r>
               <a:rPr lang="en-US" sz="1400" dirty="0" smtClean="0"/>
-              <a:t> understand and </a:t>
-            </a:r>
-            <a:r>
-              <a:rPr lang="en-US" sz="1400" dirty="0" smtClean="0"/>
-              <a:t>effectively </a:t>
-            </a:r>
-            <a:r>
-              <a:rPr lang="en-US" sz="1400" dirty="0" smtClean="0"/>
-              <a:t>engage </a:t>
-            </a:r>
-            <a:r>
-              <a:rPr lang="en-US" sz="1400" dirty="0" smtClean="0"/>
-              <a:t>with decentralized </a:t>
-            </a:r>
-            <a:r>
-              <a:rPr lang="en-US" sz="1400" dirty="0" smtClean="0"/>
-              <a:t>COIs</a:t>
-            </a:r>
-            <a:endParaRPr lang="en-US" sz="1400" dirty="0" smtClean="0"/>
+              <a:t> understand and effectively engage with decentralized COIs</a:t>
+            </a:r>
           </a:p>
           <a:p>
             <a:pPr marL="285750" indent="-285750">
@@ -3187,13 +3160,8 @@
             </a:r>
             <a:r>
               <a:rPr lang="en-US" sz="1400" dirty="0" smtClean="0"/>
-              <a:t>“big data </a:t>
-            </a:r>
-            <a:r>
-              <a:rPr lang="en-US" sz="1400" dirty="0" smtClean="0"/>
-              <a:t>SNA” study of COI structural dynamics over time</a:t>
-            </a:r>
-            <a:endParaRPr lang="en-US" sz="1400" dirty="0" smtClean="0"/>
+              <a:t>“big data SNA” study of COI structural dynamics over time</a:t>
+            </a:r>
           </a:p>
         </p:txBody>
       </p:sp>
@@ -3222,23 +3190,14 @@
             <a:pPr algn="ctr"/>
             <a:r>
               <a:rPr lang="en-US" b="1" dirty="0" smtClean="0"/>
-              <a:t>Example citation </a:t>
-            </a:r>
+              <a:t>Example citation network: </a:t>
+            </a:r>
+          </a:p>
+          <a:p>
+            <a:pPr algn="ctr"/>
             <a:r>
               <a:rPr lang="en-US" b="1" dirty="0" smtClean="0"/>
-              <a:t>network: </a:t>
-            </a:r>
-            <a:endParaRPr lang="en-US" b="1" dirty="0" smtClean="0"/>
-          </a:p>
-          <a:p>
-            <a:pPr algn="ctr"/>
-            <a:r>
-              <a:rPr lang="en-US" b="1" dirty="0" smtClean="0"/>
-              <a:t>“</a:t>
-            </a:r>
-            <a:r>
-              <a:rPr lang="en-US" b="1" dirty="0" smtClean="0"/>
-              <a:t>fused deposition”</a:t>
+              <a:t>“fused deposition”</a:t>
             </a:r>
             <a:endParaRPr lang="en-US" b="1" dirty="0"/>
           </a:p>
@@ -3269,11 +3228,7 @@
             <a:pPr algn="ctr"/>
             <a:r>
               <a:rPr lang="en-US" b="1" dirty="0" smtClean="0"/>
-              <a:t>Applications and </a:t>
-            </a:r>
-            <a:r>
-              <a:rPr lang="en-US" b="1" dirty="0" smtClean="0"/>
-              <a:t>expansions</a:t>
+              <a:t>Applications and expansions</a:t>
             </a:r>
             <a:endParaRPr lang="en-US" sz="1400" dirty="0" smtClean="0"/>
           </a:p>
@@ -3288,11 +3243,7 @@
             </a:r>
             <a:r>
               <a:rPr lang="en-US" sz="1400" u="sng" dirty="0" smtClean="0"/>
-              <a:t>multi-use </a:t>
-            </a:r>
-            <a:r>
-              <a:rPr lang="en-US" sz="1400" u="sng" dirty="0" smtClean="0"/>
-              <a:t>platform</a:t>
+              <a:t>multi-use platform</a:t>
             </a:r>
             <a:r>
               <a:rPr lang="en-US" sz="1400" dirty="0" smtClean="0"/>
@@ -3304,11 +3255,7 @@
             </a:r>
             <a:r>
               <a:rPr lang="en-US" sz="1400" dirty="0" smtClean="0"/>
-              <a:t>visualize and analyze </a:t>
-            </a:r>
-            <a:r>
-              <a:rPr lang="en-US" sz="1400" dirty="0" smtClean="0"/>
-              <a:t>self-regulating COIs</a:t>
+              <a:t>visualize and analyze self-regulating COIs</a:t>
             </a:r>
           </a:p>
           <a:p>
@@ -3354,7 +3301,6 @@
               <a:rPr lang="en-US" sz="1400" dirty="0" smtClean="0"/>
               <a:t>actors to maximize engagement efficacy</a:t>
             </a:r>
-            <a:endParaRPr lang="en-US" sz="1400" dirty="0" smtClean="0"/>
           </a:p>
           <a:p>
             <a:pPr marL="742950" lvl="1" indent="-285750">
@@ -3389,11 +3335,7 @@
             </a:pPr>
             <a:r>
               <a:rPr lang="en-US" sz="1400" dirty="0" smtClean="0"/>
-              <a:t>Assessing </a:t>
-            </a:r>
-            <a:r>
-              <a:rPr lang="en-US" sz="1400" dirty="0" smtClean="0"/>
-              <a:t>impact of “corporatization”</a:t>
+              <a:t>Assessing impact of “corporatization”</a:t>
             </a:r>
           </a:p>
           <a:p>
@@ -3403,11 +3345,7 @@
             </a:pPr>
             <a:r>
               <a:rPr lang="en-US" sz="1400" dirty="0" smtClean="0"/>
-              <a:t>Areas of collaboration at NPS</a:t>
-            </a:r>
-            <a:r>
-              <a:rPr lang="en-US" sz="1400" dirty="0" smtClean="0"/>
-              <a:t>: </a:t>
+              <a:t>Areas of collaboration at NPS: </a:t>
             </a:r>
           </a:p>
           <a:p>
@@ -3433,7 +3371,6 @@
               <a:rPr lang="en-US" sz="1400" dirty="0" smtClean="0"/>
               <a:t> (direct engagement)</a:t>
             </a:r>
-            <a:endParaRPr lang="en-US" sz="1400" dirty="0" smtClean="0"/>
           </a:p>
         </p:txBody>
       </p:sp>
@@ -3462,11 +3399,7 @@
             <a:pPr algn="ctr"/>
             <a:r>
               <a:rPr lang="en-US" b="1" dirty="0" smtClean="0"/>
-              <a:t>Network analysis of </a:t>
-            </a:r>
-            <a:r>
-              <a:rPr lang="en-US" b="1" dirty="0" smtClean="0"/>
-              <a:t>COIs</a:t>
+              <a:t>Network analysis of COIs</a:t>
             </a:r>
             <a:endParaRPr lang="en-US" sz="1400" dirty="0" smtClean="0"/>
           </a:p>
@@ -3552,11 +3485,7 @@
             </a:pPr>
             <a:r>
               <a:rPr lang="en-US" sz="1400" dirty="0" smtClean="0"/>
-              <a:t>Mining </a:t>
-            </a:r>
-            <a:r>
-              <a:rPr lang="en-US" sz="1400" dirty="0" smtClean="0"/>
-              <a:t>information from networks</a:t>
+              <a:t>Mining information from networks</a:t>
             </a:r>
           </a:p>
           <a:p>
